--- a/Workflow_figure/Fig_1.pptx
+++ b/Workflow_figure/Fig_1.pptx
@@ -260,7 +260,7 @@
           <a:p>
             <a:fld id="{A9D0D915-2758-4BE5-AAFB-08E0E0DC727B}" type="datetimeFigureOut">
               <a:rPr lang="en-US" smtClean="0"/>
-              <a:t>12/4/2025</a:t>
+              <a:t>2/6/2026</a:t>
             </a:fld>
             <a:endParaRPr lang="en-US"/>
           </a:p>
@@ -458,7 +458,7 @@
           <a:p>
             <a:fld id="{A9D0D915-2758-4BE5-AAFB-08E0E0DC727B}" type="datetimeFigureOut">
               <a:rPr lang="en-US" smtClean="0"/>
-              <a:t>12/4/2025</a:t>
+              <a:t>2/6/2026</a:t>
             </a:fld>
             <a:endParaRPr lang="en-US"/>
           </a:p>
@@ -666,7 +666,7 @@
           <a:p>
             <a:fld id="{A9D0D915-2758-4BE5-AAFB-08E0E0DC727B}" type="datetimeFigureOut">
               <a:rPr lang="en-US" smtClean="0"/>
-              <a:t>12/4/2025</a:t>
+              <a:t>2/6/2026</a:t>
             </a:fld>
             <a:endParaRPr lang="en-US"/>
           </a:p>
@@ -864,7 +864,7 @@
           <a:p>
             <a:fld id="{A9D0D915-2758-4BE5-AAFB-08E0E0DC727B}" type="datetimeFigureOut">
               <a:rPr lang="en-US" smtClean="0"/>
-              <a:t>12/4/2025</a:t>
+              <a:t>2/6/2026</a:t>
             </a:fld>
             <a:endParaRPr lang="en-US"/>
           </a:p>
@@ -1139,7 +1139,7 @@
           <a:p>
             <a:fld id="{A9D0D915-2758-4BE5-AAFB-08E0E0DC727B}" type="datetimeFigureOut">
               <a:rPr lang="en-US" smtClean="0"/>
-              <a:t>12/4/2025</a:t>
+              <a:t>2/6/2026</a:t>
             </a:fld>
             <a:endParaRPr lang="en-US"/>
           </a:p>
@@ -1404,7 +1404,7 @@
           <a:p>
             <a:fld id="{A9D0D915-2758-4BE5-AAFB-08E0E0DC727B}" type="datetimeFigureOut">
               <a:rPr lang="en-US" smtClean="0"/>
-              <a:t>12/4/2025</a:t>
+              <a:t>2/6/2026</a:t>
             </a:fld>
             <a:endParaRPr lang="en-US"/>
           </a:p>
@@ -1816,7 +1816,7 @@
           <a:p>
             <a:fld id="{A9D0D915-2758-4BE5-AAFB-08E0E0DC727B}" type="datetimeFigureOut">
               <a:rPr lang="en-US" smtClean="0"/>
-              <a:t>12/4/2025</a:t>
+              <a:t>2/6/2026</a:t>
             </a:fld>
             <a:endParaRPr lang="en-US"/>
           </a:p>
@@ -1957,7 +1957,7 @@
           <a:p>
             <a:fld id="{A9D0D915-2758-4BE5-AAFB-08E0E0DC727B}" type="datetimeFigureOut">
               <a:rPr lang="en-US" smtClean="0"/>
-              <a:t>12/4/2025</a:t>
+              <a:t>2/6/2026</a:t>
             </a:fld>
             <a:endParaRPr lang="en-US"/>
           </a:p>
@@ -2070,7 +2070,7 @@
           <a:p>
             <a:fld id="{A9D0D915-2758-4BE5-AAFB-08E0E0DC727B}" type="datetimeFigureOut">
               <a:rPr lang="en-US" smtClean="0"/>
-              <a:t>12/4/2025</a:t>
+              <a:t>2/6/2026</a:t>
             </a:fld>
             <a:endParaRPr lang="en-US"/>
           </a:p>
@@ -2381,7 +2381,7 @@
           <a:p>
             <a:fld id="{A9D0D915-2758-4BE5-AAFB-08E0E0DC727B}" type="datetimeFigureOut">
               <a:rPr lang="en-US" smtClean="0"/>
-              <a:t>12/4/2025</a:t>
+              <a:t>2/6/2026</a:t>
             </a:fld>
             <a:endParaRPr lang="en-US"/>
           </a:p>
@@ -2669,7 +2669,7 @@
           <a:p>
             <a:fld id="{A9D0D915-2758-4BE5-AAFB-08E0E0DC727B}" type="datetimeFigureOut">
               <a:rPr lang="en-US" smtClean="0"/>
-              <a:t>12/4/2025</a:t>
+              <a:t>2/6/2026</a:t>
             </a:fld>
             <a:endParaRPr lang="en-US"/>
           </a:p>
@@ -2910,7 +2910,7 @@
           <a:p>
             <a:fld id="{A9D0D915-2758-4BE5-AAFB-08E0E0DC727B}" type="datetimeFigureOut">
               <a:rPr lang="en-US" smtClean="0"/>
-              <a:t>12/4/2025</a:t>
+              <a:t>2/6/2026</a:t>
             </a:fld>
             <a:endParaRPr lang="en-US"/>
           </a:p>
@@ -12800,8 +12800,8 @@
           </p:sp>
         </mc:Fallback>
       </mc:AlternateContent>
-      <mc:AlternateContent xmlns:mc="http://schemas.openxmlformats.org/markup-compatibility/2006" xmlns:a14="http://schemas.microsoft.com/office/drawing/2010/main">
-        <mc:Choice Requires="a14">
+      <mc:AlternateContent xmlns:mc="http://schemas.openxmlformats.org/markup-compatibility/2006">
+        <mc:Choice xmlns:a14="http://schemas.microsoft.com/office/drawing/2010/main" Requires="a14">
           <p:sp>
             <p:nvSpPr>
               <p:cNvPr id="23" name="TextBox 22">
@@ -12816,7 +12816,7 @@
             </p:nvSpPr>
             <p:spPr>
               <a:xfrm>
-                <a:off x="8241563" y="2352917"/>
+                <a:off x="8241563" y="2916059"/>
                 <a:ext cx="3909456" cy="2640018"/>
               </a:xfrm>
               <a:prstGeom prst="rect">
@@ -13103,7 +13103,7 @@
             </p:txBody>
           </p:sp>
         </mc:Choice>
-        <mc:Fallback xmlns="">
+        <mc:Fallback>
           <p:sp>
             <p:nvSpPr>
               <p:cNvPr id="23" name="TextBox 22">
@@ -13120,7 +13120,7 @@
             </p:nvSpPr>
             <p:spPr>
               <a:xfrm>
-                <a:off x="8241563" y="2352917"/>
+                <a:off x="8241563" y="2916059"/>
                 <a:ext cx="3909456" cy="2640018"/>
               </a:xfrm>
               <a:prstGeom prst="rect">
@@ -13129,7 +13129,7 @@
               <a:blipFill>
                 <a:blip r:embed="rId8"/>
                 <a:stretch>
-                  <a:fillRect l="-1404" t="-1155" r="-936"/>
+                  <a:fillRect l="-1404" t="-924" r="-936"/>
                 </a:stretch>
               </a:blipFill>
             </p:spPr>
